--- a/assets/images/2017/micro-os-plus-collection.pptx
+++ b/assets/images/2017/micro-os-plus-collection.pptx
@@ -66,7 +66,7 @@
         <a:latin typeface="+mj-lt"/>
         <a:ea typeface="+mj-ea"/>
         <a:cs typeface="+mj-cs"/>
-        <a:sym typeface="Helvetica"/>
+        <a:sym typeface="Calibri"/>
       </a:defRPr>
     </a:lvl1pPr>
     <a:lvl2pPr marL="0" marR="0" indent="0" algn="l" defTabSz="457200" rtl="0" fontAlgn="auto" latinLnBrk="0" hangingPunct="0">
@@ -96,7 +96,7 @@
         <a:latin typeface="+mj-lt"/>
         <a:ea typeface="+mj-ea"/>
         <a:cs typeface="+mj-cs"/>
-        <a:sym typeface="Helvetica"/>
+        <a:sym typeface="Calibri"/>
       </a:defRPr>
     </a:lvl2pPr>
     <a:lvl3pPr marL="0" marR="0" indent="0" algn="l" defTabSz="457200" rtl="0" fontAlgn="auto" latinLnBrk="0" hangingPunct="0">
@@ -126,7 +126,7 @@
         <a:latin typeface="+mj-lt"/>
         <a:ea typeface="+mj-ea"/>
         <a:cs typeface="+mj-cs"/>
-        <a:sym typeface="Helvetica"/>
+        <a:sym typeface="Calibri"/>
       </a:defRPr>
     </a:lvl3pPr>
     <a:lvl4pPr marL="0" marR="0" indent="0" algn="l" defTabSz="457200" rtl="0" fontAlgn="auto" latinLnBrk="0" hangingPunct="0">
@@ -156,7 +156,7 @@
         <a:latin typeface="+mj-lt"/>
         <a:ea typeface="+mj-ea"/>
         <a:cs typeface="+mj-cs"/>
-        <a:sym typeface="Helvetica"/>
+        <a:sym typeface="Calibri"/>
       </a:defRPr>
     </a:lvl4pPr>
     <a:lvl5pPr marL="0" marR="0" indent="0" algn="l" defTabSz="457200" rtl="0" fontAlgn="auto" latinLnBrk="0" hangingPunct="0">
@@ -186,7 +186,7 @@
         <a:latin typeface="+mj-lt"/>
         <a:ea typeface="+mj-ea"/>
         <a:cs typeface="+mj-cs"/>
-        <a:sym typeface="Helvetica"/>
+        <a:sym typeface="Calibri"/>
       </a:defRPr>
     </a:lvl5pPr>
     <a:lvl6pPr marL="0" marR="0" indent="0" algn="l" defTabSz="457200" rtl="0" fontAlgn="auto" latinLnBrk="0" hangingPunct="0">
@@ -216,7 +216,7 @@
         <a:latin typeface="+mj-lt"/>
         <a:ea typeface="+mj-ea"/>
         <a:cs typeface="+mj-cs"/>
-        <a:sym typeface="Helvetica"/>
+        <a:sym typeface="Calibri"/>
       </a:defRPr>
     </a:lvl6pPr>
     <a:lvl7pPr marL="0" marR="0" indent="0" algn="l" defTabSz="457200" rtl="0" fontAlgn="auto" latinLnBrk="0" hangingPunct="0">
@@ -246,7 +246,7 @@
         <a:latin typeface="+mj-lt"/>
         <a:ea typeface="+mj-ea"/>
         <a:cs typeface="+mj-cs"/>
-        <a:sym typeface="Helvetica"/>
+        <a:sym typeface="Calibri"/>
       </a:defRPr>
     </a:lvl7pPr>
     <a:lvl8pPr marL="0" marR="0" indent="0" algn="l" defTabSz="457200" rtl="0" fontAlgn="auto" latinLnBrk="0" hangingPunct="0">
@@ -276,7 +276,7 @@
         <a:latin typeface="+mj-lt"/>
         <a:ea typeface="+mj-ea"/>
         <a:cs typeface="+mj-cs"/>
-        <a:sym typeface="Helvetica"/>
+        <a:sym typeface="Calibri"/>
       </a:defRPr>
     </a:lvl8pPr>
     <a:lvl9pPr marL="0" marR="0" indent="0" algn="l" defTabSz="457200" rtl="0" fontAlgn="auto" latinLnBrk="0" hangingPunct="0">
@@ -306,7 +306,7 @@
         <a:latin typeface="+mj-lt"/>
         <a:ea typeface="+mj-ea"/>
         <a:cs typeface="+mj-cs"/>
-        <a:sym typeface="Helvetica"/>
+        <a:sym typeface="Calibri"/>
       </a:defRPr>
     </a:lvl9pPr>
   </p:defaultTextStyle>
@@ -390,73 +390,73 @@
   <p:notesStyle>
     <a:lvl1pPr defTabSz="457200" latinLnBrk="0">
       <a:defRPr sz="1200">
-        <a:latin typeface="+mn-lt"/>
-        <a:ea typeface="+mn-ea"/>
-        <a:cs typeface="+mn-cs"/>
+        <a:latin typeface="+mj-lt"/>
+        <a:ea typeface="+mj-ea"/>
+        <a:cs typeface="+mj-cs"/>
         <a:sym typeface="Calibri"/>
       </a:defRPr>
     </a:lvl1pPr>
     <a:lvl2pPr indent="228600" defTabSz="457200" latinLnBrk="0">
       <a:defRPr sz="1200">
-        <a:latin typeface="+mn-lt"/>
-        <a:ea typeface="+mn-ea"/>
-        <a:cs typeface="+mn-cs"/>
+        <a:latin typeface="+mj-lt"/>
+        <a:ea typeface="+mj-ea"/>
+        <a:cs typeface="+mj-cs"/>
         <a:sym typeface="Calibri"/>
       </a:defRPr>
     </a:lvl2pPr>
     <a:lvl3pPr indent="457200" defTabSz="457200" latinLnBrk="0">
       <a:defRPr sz="1200">
-        <a:latin typeface="+mn-lt"/>
-        <a:ea typeface="+mn-ea"/>
-        <a:cs typeface="+mn-cs"/>
+        <a:latin typeface="+mj-lt"/>
+        <a:ea typeface="+mj-ea"/>
+        <a:cs typeface="+mj-cs"/>
         <a:sym typeface="Calibri"/>
       </a:defRPr>
     </a:lvl3pPr>
     <a:lvl4pPr indent="685800" defTabSz="457200" latinLnBrk="0">
       <a:defRPr sz="1200">
-        <a:latin typeface="+mn-lt"/>
-        <a:ea typeface="+mn-ea"/>
-        <a:cs typeface="+mn-cs"/>
+        <a:latin typeface="+mj-lt"/>
+        <a:ea typeface="+mj-ea"/>
+        <a:cs typeface="+mj-cs"/>
         <a:sym typeface="Calibri"/>
       </a:defRPr>
     </a:lvl4pPr>
     <a:lvl5pPr indent="914400" defTabSz="457200" latinLnBrk="0">
       <a:defRPr sz="1200">
-        <a:latin typeface="+mn-lt"/>
-        <a:ea typeface="+mn-ea"/>
-        <a:cs typeface="+mn-cs"/>
+        <a:latin typeface="+mj-lt"/>
+        <a:ea typeface="+mj-ea"/>
+        <a:cs typeface="+mj-cs"/>
         <a:sym typeface="Calibri"/>
       </a:defRPr>
     </a:lvl5pPr>
     <a:lvl6pPr indent="1143000" defTabSz="457200" latinLnBrk="0">
       <a:defRPr sz="1200">
-        <a:latin typeface="+mn-lt"/>
-        <a:ea typeface="+mn-ea"/>
-        <a:cs typeface="+mn-cs"/>
+        <a:latin typeface="+mj-lt"/>
+        <a:ea typeface="+mj-ea"/>
+        <a:cs typeface="+mj-cs"/>
         <a:sym typeface="Calibri"/>
       </a:defRPr>
     </a:lvl6pPr>
     <a:lvl7pPr indent="1371600" defTabSz="457200" latinLnBrk="0">
       <a:defRPr sz="1200">
-        <a:latin typeface="+mn-lt"/>
-        <a:ea typeface="+mn-ea"/>
-        <a:cs typeface="+mn-cs"/>
+        <a:latin typeface="+mj-lt"/>
+        <a:ea typeface="+mj-ea"/>
+        <a:cs typeface="+mj-cs"/>
         <a:sym typeface="Calibri"/>
       </a:defRPr>
     </a:lvl7pPr>
     <a:lvl8pPr indent="1600200" defTabSz="457200" latinLnBrk="0">
       <a:defRPr sz="1200">
-        <a:latin typeface="+mn-lt"/>
-        <a:ea typeface="+mn-ea"/>
-        <a:cs typeface="+mn-cs"/>
+        <a:latin typeface="+mj-lt"/>
+        <a:ea typeface="+mj-ea"/>
+        <a:cs typeface="+mj-cs"/>
         <a:sym typeface="Calibri"/>
       </a:defRPr>
     </a:lvl8pPr>
     <a:lvl9pPr indent="1828800" defTabSz="457200" latinLnBrk="0">
       <a:defRPr sz="1200">
-        <a:latin typeface="+mn-lt"/>
-        <a:ea typeface="+mn-ea"/>
-        <a:cs typeface="+mn-cs"/>
+        <a:latin typeface="+mj-lt"/>
+        <a:ea typeface="+mj-ea"/>
+        <a:cs typeface="+mj-cs"/>
         <a:sym typeface="Calibri"/>
       </a:defRPr>
     </a:lvl9pPr>
@@ -1063,7 +1063,7 @@
         <p:spPr>
           <a:xfrm>
             <a:off x="722312" y="2906713"/>
-            <a:ext cx="7772401" cy="1500189"/>
+            <a:ext cx="7772401" cy="1500190"/>
           </a:xfrm>
           <a:prstGeom prst="rect">
             <a:avLst/>
@@ -1418,7 +1418,7 @@
               <a:buNone/>
               <a:defRPr b="1" sz="2400"/>
             </a:lvl1pPr>
-            <a:lvl2pPr marL="702128" indent="-244928">
+            <a:lvl2pPr marL="702127" indent="-244927">
               <a:spcBef>
                 <a:spcPts val="500"/>
               </a:spcBef>
@@ -1432,7 +1432,7 @@
               <a:buFontTx/>
               <a:defRPr b="1" sz="2400"/>
             </a:lvl3pPr>
-            <a:lvl4pPr marL="1645920" indent="-274320">
+            <a:lvl4pPr marL="1645920" indent="-274319">
               <a:spcBef>
                 <a:spcPts val="500"/>
               </a:spcBef>
@@ -1490,7 +1490,7 @@
         <p:spPr>
           <a:xfrm>
             <a:off x="4645025" y="1535111"/>
-            <a:ext cx="4041775" cy="639765"/>
+            <a:ext cx="4041775" cy="639766"/>
           </a:xfrm>
           <a:prstGeom prst="rect">
             <a:avLst/>
@@ -1683,7 +1683,7 @@
         <p:spPr>
           <a:xfrm>
             <a:off x="457200" y="273050"/>
-            <a:ext cx="3008315" cy="1162050"/>
+            <a:ext cx="3008316" cy="1162050"/>
           </a:xfrm>
           <a:prstGeom prst="rect">
             <a:avLst/>
@@ -1767,7 +1767,7 @@
         <p:spPr>
           <a:xfrm>
             <a:off x="457198" y="1435100"/>
-            <a:ext cx="3008316" cy="4691063"/>
+            <a:ext cx="3008317" cy="4691063"/>
           </a:xfrm>
           <a:prstGeom prst="rect">
             <a:avLst/>
@@ -1840,7 +1840,7 @@
         <p:spPr>
           <a:xfrm>
             <a:off x="1792288" y="4800600"/>
-            <a:ext cx="5486402" cy="566738"/>
+            <a:ext cx="5486403" cy="566738"/>
           </a:xfrm>
           <a:prstGeom prst="rect">
             <a:avLst/>
@@ -1872,7 +1872,7 @@
         <p:spPr>
           <a:xfrm>
             <a:off x="1792288" y="612775"/>
-            <a:ext cx="5486402" cy="4114800"/>
+            <a:ext cx="5486403" cy="4114800"/>
           </a:xfrm>
           <a:prstGeom prst="rect">
             <a:avLst/>
@@ -1899,7 +1899,7 @@
         <p:spPr>
           <a:xfrm>
             <a:off x="1792288" y="5367337"/>
-            <a:ext cx="5486402" cy="804864"/>
+            <a:ext cx="5486403" cy="804865"/>
           </a:xfrm>
           <a:prstGeom prst="rect">
             <a:avLst/>
@@ -1917,7 +1917,7 @@
               <a:buNone/>
               <a:defRPr sz="1400"/>
             </a:lvl1pPr>
-            <a:lvl2pPr marL="600074" indent="-142874">
+            <a:lvl2pPr marL="600073" indent="-142873">
               <a:spcBef>
                 <a:spcPts val="300"/>
               </a:spcBef>
@@ -2143,8 +2143,8 @@
         </p:nvSpPr>
         <p:spPr>
           <a:xfrm>
-            <a:off x="8428178" y="6404293"/>
-            <a:ext cx="258623" cy="269239"/>
+            <a:off x="8428181" y="6404294"/>
+            <a:ext cx="258620" cy="269237"/>
           </a:xfrm>
           <a:prstGeom prst="rect">
             <a:avLst/>
@@ -2163,10 +2163,6 @@
                 <a:solidFill>
                   <a:srgbClr val="888888"/>
                 </a:solidFill>
-                <a:latin typeface="+mn-lt"/>
-                <a:ea typeface="+mn-ea"/>
-                <a:cs typeface="+mn-cs"/>
-                <a:sym typeface="Calibri"/>
               </a:defRPr>
             </a:lvl1pPr>
           </a:lstStyle>
@@ -2218,9 +2214,9 @@
             <a:srgbClr val="000000"/>
           </a:solidFill>
           <a:uFillTx/>
-          <a:latin typeface="+mn-lt"/>
-          <a:ea typeface="+mn-ea"/>
-          <a:cs typeface="+mn-cs"/>
+          <a:latin typeface="+mj-lt"/>
+          <a:ea typeface="+mj-ea"/>
+          <a:cs typeface="+mj-cs"/>
           <a:sym typeface="Calibri"/>
         </a:defRPr>
       </a:lvl1pPr>
@@ -2247,9 +2243,9 @@
             <a:srgbClr val="000000"/>
           </a:solidFill>
           <a:uFillTx/>
-          <a:latin typeface="+mn-lt"/>
-          <a:ea typeface="+mn-ea"/>
-          <a:cs typeface="+mn-cs"/>
+          <a:latin typeface="+mj-lt"/>
+          <a:ea typeface="+mj-ea"/>
+          <a:cs typeface="+mj-cs"/>
           <a:sym typeface="Calibri"/>
         </a:defRPr>
       </a:lvl2pPr>
@@ -2276,9 +2272,9 @@
             <a:srgbClr val="000000"/>
           </a:solidFill>
           <a:uFillTx/>
-          <a:latin typeface="+mn-lt"/>
-          <a:ea typeface="+mn-ea"/>
-          <a:cs typeface="+mn-cs"/>
+          <a:latin typeface="+mj-lt"/>
+          <a:ea typeface="+mj-ea"/>
+          <a:cs typeface="+mj-cs"/>
           <a:sym typeface="Calibri"/>
         </a:defRPr>
       </a:lvl3pPr>
@@ -2305,9 +2301,9 @@
             <a:srgbClr val="000000"/>
           </a:solidFill>
           <a:uFillTx/>
-          <a:latin typeface="+mn-lt"/>
-          <a:ea typeface="+mn-ea"/>
-          <a:cs typeface="+mn-cs"/>
+          <a:latin typeface="+mj-lt"/>
+          <a:ea typeface="+mj-ea"/>
+          <a:cs typeface="+mj-cs"/>
           <a:sym typeface="Calibri"/>
         </a:defRPr>
       </a:lvl4pPr>
@@ -2334,9 +2330,9 @@
             <a:srgbClr val="000000"/>
           </a:solidFill>
           <a:uFillTx/>
-          <a:latin typeface="+mn-lt"/>
-          <a:ea typeface="+mn-ea"/>
-          <a:cs typeface="+mn-cs"/>
+          <a:latin typeface="+mj-lt"/>
+          <a:ea typeface="+mj-ea"/>
+          <a:cs typeface="+mj-cs"/>
           <a:sym typeface="Calibri"/>
         </a:defRPr>
       </a:lvl5pPr>
@@ -2363,9 +2359,9 @@
             <a:srgbClr val="000000"/>
           </a:solidFill>
           <a:uFillTx/>
-          <a:latin typeface="+mn-lt"/>
-          <a:ea typeface="+mn-ea"/>
-          <a:cs typeface="+mn-cs"/>
+          <a:latin typeface="+mj-lt"/>
+          <a:ea typeface="+mj-ea"/>
+          <a:cs typeface="+mj-cs"/>
           <a:sym typeface="Calibri"/>
         </a:defRPr>
       </a:lvl6pPr>
@@ -2392,9 +2388,9 @@
             <a:srgbClr val="000000"/>
           </a:solidFill>
           <a:uFillTx/>
-          <a:latin typeface="+mn-lt"/>
-          <a:ea typeface="+mn-ea"/>
-          <a:cs typeface="+mn-cs"/>
+          <a:latin typeface="+mj-lt"/>
+          <a:ea typeface="+mj-ea"/>
+          <a:cs typeface="+mj-cs"/>
           <a:sym typeface="Calibri"/>
         </a:defRPr>
       </a:lvl7pPr>
@@ -2421,9 +2417,9 @@
             <a:srgbClr val="000000"/>
           </a:solidFill>
           <a:uFillTx/>
-          <a:latin typeface="+mn-lt"/>
-          <a:ea typeface="+mn-ea"/>
-          <a:cs typeface="+mn-cs"/>
+          <a:latin typeface="+mj-lt"/>
+          <a:ea typeface="+mj-ea"/>
+          <a:cs typeface="+mj-cs"/>
           <a:sym typeface="Calibri"/>
         </a:defRPr>
       </a:lvl8pPr>
@@ -2450,9 +2446,9 @@
             <a:srgbClr val="000000"/>
           </a:solidFill>
           <a:uFillTx/>
-          <a:latin typeface="+mn-lt"/>
-          <a:ea typeface="+mn-ea"/>
-          <a:cs typeface="+mn-cs"/>
+          <a:latin typeface="+mj-lt"/>
+          <a:ea typeface="+mj-ea"/>
+          <a:cs typeface="+mj-cs"/>
           <a:sym typeface="Calibri"/>
         </a:defRPr>
       </a:lvl9pPr>
@@ -2481,9 +2477,9 @@
             <a:srgbClr val="000000"/>
           </a:solidFill>
           <a:uFillTx/>
-          <a:latin typeface="+mn-lt"/>
-          <a:ea typeface="+mn-ea"/>
-          <a:cs typeface="+mn-cs"/>
+          <a:latin typeface="+mj-lt"/>
+          <a:ea typeface="+mj-ea"/>
+          <a:cs typeface="+mj-cs"/>
           <a:sym typeface="Calibri"/>
         </a:defRPr>
       </a:lvl1pPr>
@@ -2510,9 +2506,9 @@
             <a:srgbClr val="000000"/>
           </a:solidFill>
           <a:uFillTx/>
-          <a:latin typeface="+mn-lt"/>
-          <a:ea typeface="+mn-ea"/>
-          <a:cs typeface="+mn-cs"/>
+          <a:latin typeface="+mj-lt"/>
+          <a:ea typeface="+mj-ea"/>
+          <a:cs typeface="+mj-cs"/>
           <a:sym typeface="Calibri"/>
         </a:defRPr>
       </a:lvl2pPr>
@@ -2539,9 +2535,9 @@
             <a:srgbClr val="000000"/>
           </a:solidFill>
           <a:uFillTx/>
-          <a:latin typeface="+mn-lt"/>
-          <a:ea typeface="+mn-ea"/>
-          <a:cs typeface="+mn-cs"/>
+          <a:latin typeface="+mj-lt"/>
+          <a:ea typeface="+mj-ea"/>
+          <a:cs typeface="+mj-cs"/>
           <a:sym typeface="Calibri"/>
         </a:defRPr>
       </a:lvl3pPr>
@@ -2568,9 +2564,9 @@
             <a:srgbClr val="000000"/>
           </a:solidFill>
           <a:uFillTx/>
-          <a:latin typeface="+mn-lt"/>
-          <a:ea typeface="+mn-ea"/>
-          <a:cs typeface="+mn-cs"/>
+          <a:latin typeface="+mj-lt"/>
+          <a:ea typeface="+mj-ea"/>
+          <a:cs typeface="+mj-cs"/>
           <a:sym typeface="Calibri"/>
         </a:defRPr>
       </a:lvl4pPr>
@@ -2597,9 +2593,9 @@
             <a:srgbClr val="000000"/>
           </a:solidFill>
           <a:uFillTx/>
-          <a:latin typeface="+mn-lt"/>
-          <a:ea typeface="+mn-ea"/>
-          <a:cs typeface="+mn-cs"/>
+          <a:latin typeface="+mj-lt"/>
+          <a:ea typeface="+mj-ea"/>
+          <a:cs typeface="+mj-cs"/>
           <a:sym typeface="Calibri"/>
         </a:defRPr>
       </a:lvl5pPr>
@@ -2626,9 +2622,9 @@
             <a:srgbClr val="000000"/>
           </a:solidFill>
           <a:uFillTx/>
-          <a:latin typeface="+mn-lt"/>
-          <a:ea typeface="+mn-ea"/>
-          <a:cs typeface="+mn-cs"/>
+          <a:latin typeface="+mj-lt"/>
+          <a:ea typeface="+mj-ea"/>
+          <a:cs typeface="+mj-cs"/>
           <a:sym typeface="Calibri"/>
         </a:defRPr>
       </a:lvl6pPr>
@@ -2655,9 +2651,9 @@
             <a:srgbClr val="000000"/>
           </a:solidFill>
           <a:uFillTx/>
-          <a:latin typeface="+mn-lt"/>
-          <a:ea typeface="+mn-ea"/>
-          <a:cs typeface="+mn-cs"/>
+          <a:latin typeface="+mj-lt"/>
+          <a:ea typeface="+mj-ea"/>
+          <a:cs typeface="+mj-cs"/>
           <a:sym typeface="Calibri"/>
         </a:defRPr>
       </a:lvl7pPr>
@@ -2684,9 +2680,9 @@
             <a:srgbClr val="000000"/>
           </a:solidFill>
           <a:uFillTx/>
-          <a:latin typeface="+mn-lt"/>
-          <a:ea typeface="+mn-ea"/>
-          <a:cs typeface="+mn-cs"/>
+          <a:latin typeface="+mj-lt"/>
+          <a:ea typeface="+mj-ea"/>
+          <a:cs typeface="+mj-cs"/>
           <a:sym typeface="Calibri"/>
         </a:defRPr>
       </a:lvl8pPr>
@@ -2713,9 +2709,9 @@
             <a:srgbClr val="000000"/>
           </a:solidFill>
           <a:uFillTx/>
-          <a:latin typeface="+mn-lt"/>
-          <a:ea typeface="+mn-ea"/>
-          <a:cs typeface="+mn-cs"/>
+          <a:latin typeface="+mj-lt"/>
+          <a:ea typeface="+mj-ea"/>
+          <a:cs typeface="+mj-cs"/>
           <a:sym typeface="Calibri"/>
         </a:defRPr>
       </a:lvl9pPr>
@@ -3013,7 +3009,7 @@
         <p:spPr>
           <a:xfrm>
             <a:off x="203200" y="1137273"/>
-            <a:ext cx="8788400" cy="5222466"/>
+            <a:ext cx="8788400" cy="5222467"/>
           </a:xfrm>
           <a:prstGeom prst="roundRect">
             <a:avLst>
@@ -3044,14 +3040,7 @@
           <a:bodyPr lIns="45718" tIns="45718" rIns="45718" bIns="45718" anchor="ctr"/>
           <a:lstStyle/>
           <a:p>
-            <a:pPr>
-              <a:defRPr>
-                <a:latin typeface="+mn-lt"/>
-                <a:ea typeface="+mn-ea"/>
-                <a:cs typeface="+mn-cs"/>
-                <a:sym typeface="Calibri"/>
-              </a:defRPr>
-            </a:pPr>
+            <a:pPr/>
           </a:p>
         </p:txBody>
       </p:sp>
@@ -3064,7 +3053,7 @@
         <p:spPr>
           <a:xfrm flipH="1">
             <a:off x="723238" y="2929333"/>
-            <a:ext cx="3555730" cy="1314407"/>
+            <a:ext cx="3555730" cy="1314408"/>
           </a:xfrm>
           <a:custGeom>
             <a:avLst/>
@@ -3143,10 +3132,6 @@
                 <a:solidFill>
                   <a:srgbClr val="FFFFFF"/>
                 </a:solidFill>
-                <a:latin typeface="+mn-lt"/>
-                <a:ea typeface="+mn-ea"/>
-                <a:cs typeface="+mn-cs"/>
-                <a:sym typeface="Calibri"/>
               </a:defRPr>
             </a:pPr>
           </a:p>
@@ -3161,7 +3146,7 @@
         <p:spPr>
           <a:xfrm flipH="1">
             <a:off x="632417" y="3581772"/>
-            <a:ext cx="3555730" cy="1314407"/>
+            <a:ext cx="3555730" cy="1314408"/>
           </a:xfrm>
           <a:custGeom>
             <a:avLst/>
@@ -3240,10 +3225,6 @@
                 <a:solidFill>
                   <a:srgbClr val="FFFFFF"/>
                 </a:solidFill>
-                <a:latin typeface="+mn-lt"/>
-                <a:ea typeface="+mn-ea"/>
-                <a:cs typeface="+mn-cs"/>
-                <a:sym typeface="Calibri"/>
               </a:defRPr>
             </a:pPr>
           </a:p>
@@ -3258,7 +3239,7 @@
         <p:spPr>
           <a:xfrm flipH="1">
             <a:off x="546255" y="4243737"/>
-            <a:ext cx="3555730" cy="1314407"/>
+            <a:ext cx="3555730" cy="1314408"/>
           </a:xfrm>
           <a:custGeom>
             <a:avLst/>
@@ -3337,6 +3318,10 @@
                 <a:solidFill>
                   <a:srgbClr val="FFFFFF"/>
                 </a:solidFill>
+                <a:latin typeface="+mn-lt"/>
+                <a:ea typeface="+mn-ea"/>
+                <a:cs typeface="+mn-cs"/>
+                <a:sym typeface="Helvetica"/>
               </a:defRPr>
             </a:pPr>
           </a:p>
@@ -3350,10 +3335,10 @@
         </p:nvGrpSpPr>
         <p:grpSpPr>
           <a:xfrm>
-            <a:off x="5072240" y="2249614"/>
-            <a:ext cx="3555730" cy="1314409"/>
+            <a:off x="5072239" y="2249613"/>
+            <a:ext cx="3555731" cy="1314411"/>
             <a:chOff x="0" y="0"/>
-            <a:chExt cx="3555729" cy="1314407"/>
+            <a:chExt cx="3555730" cy="1314409"/>
           </a:xfrm>
         </p:grpSpPr>
         <p:sp>
@@ -3365,7 +3350,7 @@
           <p:spPr>
             <a:xfrm flipH="1">
               <a:off x="-1" y="-1"/>
-              <a:ext cx="3555730" cy="1314408"/>
+              <a:ext cx="3555731" cy="1314411"/>
             </a:xfrm>
             <a:custGeom>
               <a:avLst/>
@@ -3444,10 +3429,6 @@
                   <a:solidFill>
                     <a:srgbClr val="FFFFFF"/>
                   </a:solidFill>
-                  <a:latin typeface="+mn-lt"/>
-                  <a:ea typeface="+mn-ea"/>
-                  <a:cs typeface="+mn-cs"/>
-                  <a:sym typeface="Calibri"/>
                 </a:defRPr>
               </a:pPr>
             </a:p>
@@ -3462,7 +3443,7 @@
           <p:spPr>
             <a:xfrm>
               <a:off x="218417" y="0"/>
-              <a:ext cx="3337312" cy="370839"/>
+              <a:ext cx="3337313" cy="370837"/>
             </a:xfrm>
             <a:prstGeom prst="rect">
               <a:avLst/>
@@ -3511,7 +3492,7 @@
         <p:spPr>
           <a:xfrm flipH="1">
             <a:off x="4958268" y="2911581"/>
-            <a:ext cx="3555730" cy="1314407"/>
+            <a:ext cx="3555730" cy="1314408"/>
           </a:xfrm>
           <a:custGeom>
             <a:avLst/>
@@ -3586,10 +3567,6 @@
                 <a:solidFill>
                   <a:srgbClr val="FFFFFF"/>
                 </a:solidFill>
-                <a:latin typeface="+mn-lt"/>
-                <a:ea typeface="+mn-ea"/>
-                <a:cs typeface="+mn-cs"/>
-                <a:sym typeface="Calibri"/>
               </a:defRPr>
             </a:pPr>
           </a:p>
@@ -3604,7 +3581,7 @@
         <p:spPr>
           <a:xfrm flipH="1">
             <a:off x="4844297" y="3591297"/>
-            <a:ext cx="3555730" cy="1314407"/>
+            <a:ext cx="3555730" cy="1314408"/>
           </a:xfrm>
           <a:custGeom>
             <a:avLst/>
@@ -3679,10 +3656,6 @@
                 <a:solidFill>
                   <a:srgbClr val="FFFFFF"/>
                 </a:solidFill>
-                <a:latin typeface="+mn-lt"/>
-                <a:ea typeface="+mn-ea"/>
-                <a:cs typeface="+mn-cs"/>
-                <a:sym typeface="Calibri"/>
               </a:defRPr>
             </a:pPr>
           </a:p>
@@ -3697,7 +3670,7 @@
         <p:spPr>
           <a:xfrm flipH="1">
             <a:off x="4724215" y="4235510"/>
-            <a:ext cx="3555730" cy="1314407"/>
+            <a:ext cx="3555730" cy="1314408"/>
           </a:xfrm>
           <a:custGeom>
             <a:avLst/>
@@ -3772,10 +3745,6 @@
                 <a:solidFill>
                   <a:srgbClr val="FFFFFF"/>
                 </a:solidFill>
-                <a:latin typeface="+mn-lt"/>
-                <a:ea typeface="+mn-ea"/>
-                <a:cs typeface="+mn-cs"/>
-                <a:sym typeface="Calibri"/>
               </a:defRPr>
             </a:pPr>
           </a:p>
@@ -3790,7 +3759,7 @@
         <p:spPr>
           <a:xfrm>
             <a:off x="4930354" y="4230749"/>
-            <a:ext cx="3337310" cy="370839"/>
+            <a:ext cx="3337310" cy="370837"/>
           </a:xfrm>
           <a:prstGeom prst="rect">
             <a:avLst/>
@@ -3834,8 +3803,8 @@
         </p:nvSpPr>
         <p:spPr>
           <a:xfrm>
-            <a:off x="5181449" y="2906819"/>
-            <a:ext cx="3337311" cy="370839"/>
+            <a:off x="5181448" y="2906819"/>
+            <a:ext cx="3337312" cy="370837"/>
           </a:xfrm>
           <a:prstGeom prst="rect">
             <a:avLst/>
@@ -3880,7 +3849,7 @@
         <p:spPr>
           <a:xfrm>
             <a:off x="5067477" y="3586534"/>
-            <a:ext cx="3337310" cy="370839"/>
+            <a:ext cx="3337310" cy="370837"/>
           </a:xfrm>
           <a:prstGeom prst="rect">
             <a:avLst/>
@@ -3924,8 +3893,8 @@
         </p:nvSpPr>
         <p:spPr>
           <a:xfrm>
-            <a:off x="769435" y="4230749"/>
-            <a:ext cx="3337312" cy="370839"/>
+            <a:off x="769434" y="4230749"/>
+            <a:ext cx="3337314" cy="370837"/>
           </a:xfrm>
           <a:prstGeom prst="rect">
             <a:avLst/>
@@ -3969,8 +3938,8 @@
         </p:nvSpPr>
         <p:spPr>
           <a:xfrm>
-            <a:off x="832447" y="3586534"/>
-            <a:ext cx="3337311" cy="650239"/>
+            <a:off x="832446" y="3586534"/>
+            <a:ext cx="2926537" cy="650237"/>
           </a:xfrm>
           <a:prstGeom prst="rect">
             <a:avLst/>
@@ -4014,8 +3983,8 @@
         </p:nvSpPr>
         <p:spPr>
           <a:xfrm>
-            <a:off x="946419" y="2924569"/>
-            <a:ext cx="3337311" cy="370839"/>
+            <a:off x="946418" y="2924568"/>
+            <a:ext cx="3337312" cy="370837"/>
           </a:xfrm>
           <a:prstGeom prst="rect">
             <a:avLst/>
@@ -4060,7 +4029,7 @@
         <p:spPr>
           <a:xfrm>
             <a:off x="3492191" y="2352157"/>
-            <a:ext cx="351938" cy="370839"/>
+            <a:ext cx="351935" cy="370837"/>
           </a:xfrm>
           <a:prstGeom prst="rect">
             <a:avLst/>
@@ -4105,7 +4074,7 @@
         <p:spPr>
           <a:xfrm>
             <a:off x="7761227" y="1707326"/>
-            <a:ext cx="351937" cy="370839"/>
+            <a:ext cx="351935" cy="370837"/>
           </a:xfrm>
           <a:prstGeom prst="rect">
             <a:avLst/>
@@ -4149,8 +4118,8 @@
         </p:nvSpPr>
         <p:spPr>
           <a:xfrm>
-            <a:off x="1757605" y="116032"/>
-            <a:ext cx="5750827" cy="650239"/>
+            <a:off x="1757604" y="116032"/>
+            <a:ext cx="5750825" cy="650237"/>
           </a:xfrm>
           <a:prstGeom prst="rect">
             <a:avLst/>
@@ -4194,8 +4163,8 @@
         </p:nvSpPr>
         <p:spPr>
           <a:xfrm>
-            <a:off x="541491" y="5571132"/>
-            <a:ext cx="3555731" cy="370839"/>
+            <a:off x="541490" y="5571132"/>
+            <a:ext cx="3555732" cy="370837"/>
           </a:xfrm>
           <a:prstGeom prst="rect">
             <a:avLst/>
@@ -4239,8 +4208,8 @@
         </p:nvSpPr>
         <p:spPr>
           <a:xfrm>
-            <a:off x="4711935" y="5571132"/>
-            <a:ext cx="3555731" cy="370839"/>
+            <a:off x="4711934" y="5571132"/>
+            <a:ext cx="3555732" cy="370837"/>
           </a:xfrm>
           <a:prstGeom prst="rect">
             <a:avLst/>
@@ -4300,7 +4269,7 @@
         <p:spPr>
           <a:xfrm>
             <a:off x="3758982" y="2929333"/>
-            <a:ext cx="519985" cy="519985"/>
+            <a:ext cx="519986" cy="519985"/>
           </a:xfrm>
           <a:prstGeom prst="rect">
             <a:avLst/>
@@ -4329,7 +4298,7 @@
         <p:spPr>
           <a:xfrm>
             <a:off x="3668162" y="3591297"/>
-            <a:ext cx="519985" cy="519985"/>
+            <a:ext cx="519986" cy="519986"/>
           </a:xfrm>
           <a:prstGeom prst="rect">
             <a:avLst/>
@@ -4358,7 +4327,7 @@
         <p:spPr>
           <a:xfrm>
             <a:off x="3577237" y="4258314"/>
-            <a:ext cx="519985" cy="519985"/>
+            <a:ext cx="519986" cy="519986"/>
           </a:xfrm>
           <a:prstGeom prst="rect">
             <a:avLst/>
@@ -4387,7 +4356,7 @@
         <p:spPr>
           <a:xfrm>
             <a:off x="7738357" y="4243739"/>
-            <a:ext cx="519985" cy="519985"/>
+            <a:ext cx="519986" cy="519986"/>
           </a:xfrm>
           <a:prstGeom prst="rect">
             <a:avLst/>
@@ -4416,7 +4385,7 @@
         <p:spPr>
           <a:xfrm>
             <a:off x="7880042" y="3596890"/>
-            <a:ext cx="519985" cy="519985"/>
+            <a:ext cx="519986" cy="519986"/>
           </a:xfrm>
           <a:prstGeom prst="rect">
             <a:avLst/>
@@ -4445,7 +4414,7 @@
         <p:spPr>
           <a:xfrm>
             <a:off x="7998776" y="2911581"/>
-            <a:ext cx="519985" cy="519985"/>
+            <a:ext cx="519986" cy="519985"/>
           </a:xfrm>
           <a:prstGeom prst="rect">
             <a:avLst/>
@@ -4474,7 +4443,7 @@
         <p:spPr>
           <a:xfrm>
             <a:off x="8097997" y="2259059"/>
-            <a:ext cx="519985" cy="519985"/>
+            <a:ext cx="519986" cy="519985"/>
           </a:xfrm>
           <a:prstGeom prst="rect">
             <a:avLst/>
@@ -4502,8 +4471,8 @@
         </p:blipFill>
         <p:spPr>
           <a:xfrm>
-            <a:off x="3846755" y="2263108"/>
-            <a:ext cx="519985" cy="519985"/>
+            <a:off x="3846755" y="2263107"/>
+            <a:ext cx="519986" cy="519986"/>
           </a:xfrm>
           <a:prstGeom prst="rect">
             <a:avLst/>
@@ -4531,8 +4500,8 @@
         </p:blipFill>
         <p:spPr>
           <a:xfrm>
-            <a:off x="8237822" y="1640732"/>
-            <a:ext cx="519985" cy="519985"/>
+            <a:off x="8237821" y="1640732"/>
+            <a:ext cx="519986" cy="519985"/>
           </a:xfrm>
           <a:prstGeom prst="rect">
             <a:avLst/>
@@ -4594,14 +4563,14 @@
     </a:clrScheme>
     <a:fontScheme name="Office Theme">
       <a:majorFont>
+        <a:latin typeface="Calibri"/>
+        <a:ea typeface="Calibri"/>
+        <a:cs typeface="Calibri"/>
+      </a:majorFont>
+      <a:minorFont>
         <a:latin typeface="Helvetica"/>
         <a:ea typeface="Helvetica"/>
         <a:cs typeface="Helvetica"/>
-      </a:majorFont>
-      <a:minorFont>
-        <a:latin typeface="Calibri"/>
-        <a:ea typeface="Calibri"/>
-        <a:cs typeface="Calibri"/>
       </a:minorFont>
     </a:fontScheme>
     <a:fmtScheme name="Office Theme">
@@ -4809,7 +4778,7 @@
             <a:latin typeface="+mj-lt"/>
             <a:ea typeface="+mj-ea"/>
             <a:cs typeface="+mj-cs"/>
-            <a:sym typeface="Helvetica"/>
+            <a:sym typeface="Calibri"/>
           </a:defRPr>
         </a:defPPr>
         <a:lvl1pPr marL="0" marR="0" indent="0" algn="l" defTabSz="914400" rtl="0" fontAlgn="auto" latinLnBrk="1" hangingPunct="0">
@@ -5386,7 +5355,7 @@
             <a:latin typeface="+mj-lt"/>
             <a:ea typeface="+mj-ea"/>
             <a:cs typeface="+mj-cs"/>
-            <a:sym typeface="Helvetica"/>
+            <a:sym typeface="Calibri"/>
           </a:defRPr>
         </a:defPPr>
         <a:lvl1pPr marL="0" marR="0" indent="0" algn="l" defTabSz="914400" rtl="0" fontAlgn="auto" latinLnBrk="1" hangingPunct="0">
@@ -5678,14 +5647,14 @@
     </a:clrScheme>
     <a:fontScheme name="Office Theme">
       <a:majorFont>
+        <a:latin typeface="Calibri"/>
+        <a:ea typeface="Calibri"/>
+        <a:cs typeface="Calibri"/>
+      </a:majorFont>
+      <a:minorFont>
         <a:latin typeface="Helvetica"/>
         <a:ea typeface="Helvetica"/>
         <a:cs typeface="Helvetica"/>
-      </a:majorFont>
-      <a:minorFont>
-        <a:latin typeface="Calibri"/>
-        <a:ea typeface="Calibri"/>
-        <a:cs typeface="Calibri"/>
       </a:minorFont>
     </a:fontScheme>
     <a:fmtScheme name="Office Theme">
@@ -5893,7 +5862,7 @@
             <a:latin typeface="+mj-lt"/>
             <a:ea typeface="+mj-ea"/>
             <a:cs typeface="+mj-cs"/>
-            <a:sym typeface="Helvetica"/>
+            <a:sym typeface="Calibri"/>
           </a:defRPr>
         </a:defPPr>
         <a:lvl1pPr marL="0" marR="0" indent="0" algn="l" defTabSz="914400" rtl="0" fontAlgn="auto" latinLnBrk="1" hangingPunct="0">
@@ -6470,7 +6439,7 @@
             <a:latin typeface="+mj-lt"/>
             <a:ea typeface="+mj-ea"/>
             <a:cs typeface="+mj-cs"/>
-            <a:sym typeface="Helvetica"/>
+            <a:sym typeface="Calibri"/>
           </a:defRPr>
         </a:defPPr>
         <a:lvl1pPr marL="0" marR="0" indent="0" algn="l" defTabSz="914400" rtl="0" fontAlgn="auto" latinLnBrk="1" hangingPunct="0">
